--- a/爬虫知识讲解/网络爬虫技术入门讲解_费涛_20190329.pptx
+++ b/爬虫知识讲解/网络爬虫技术入门讲解_费涛_20190329.pptx
@@ -281,7 +281,7 @@
           <a:p>
             <a:fld id="{6B412B5A-8B2C-45DA-948E-ADC2E7C6D9BD}" type="datetimeFigureOut">
               <a:rPr lang="zh-CN" altLang="en-US" smtClean="0"/>
-              <a:t>2019/3/28</a:t>
+              <a:t>2019/4/1</a:t>
             </a:fld>
             <a:endParaRPr lang="zh-CN" altLang="en-US"/>
           </a:p>
@@ -13475,13 +13475,6 @@
               </a:rPr>
               <a:t> requests </a:t>
             </a:r>
-            <a:endParaRPr lang="en-US" altLang="zh-CN" sz="1600" smtClean="0">
-              <a:solidFill>
-                <a:srgbClr val="000000"/>
-              </a:solidFill>
-              <a:effectLst/>
-              <a:latin typeface="Courier New" panose="02070309020205020404" pitchFamily="49" charset="0"/>
-            </a:endParaRPr>
           </a:p>
           <a:p>
             <a:r>
@@ -13502,27 +13495,417 @@
                 <a:effectLst/>
                 <a:latin typeface="Courier New" panose="02070309020205020404" pitchFamily="49" charset="0"/>
               </a:rPr>
+              <a:t> bs4 </a:t>
+            </a:r>
+            <a:r>
+              <a:rPr lang="en-US" altLang="zh-CN" sz="1600" b="1" smtClean="0">
+                <a:solidFill>
+                  <a:srgbClr val="0000FF"/>
+                </a:solidFill>
+                <a:effectLst/>
+                <a:latin typeface="Courier New" panose="02070309020205020404" pitchFamily="49" charset="0"/>
+              </a:rPr>
+              <a:t>import</a:t>
+            </a:r>
+            <a:r>
+              <a:rPr lang="en-US" altLang="zh-CN" sz="1600" smtClean="0">
+                <a:solidFill>
+                  <a:srgbClr val="000000"/>
+                </a:solidFill>
+                <a:effectLst/>
+                <a:latin typeface="Courier New" panose="02070309020205020404" pitchFamily="49" charset="0"/>
+              </a:rPr>
+              <a:t> BeautifulSoup </a:t>
+            </a:r>
+          </a:p>
+          <a:p>
+            <a:r>
+              <a:rPr lang="en-US" altLang="zh-CN" sz="1600" smtClean="0">
+                <a:solidFill>
+                  <a:srgbClr val="000000"/>
+                </a:solidFill>
+                <a:effectLst/>
+                <a:latin typeface="Courier New" panose="02070309020205020404" pitchFamily="49" charset="0"/>
+              </a:rPr>
+              <a:t>url </a:t>
+            </a:r>
+            <a:r>
+              <a:rPr lang="en-US" altLang="zh-CN" sz="1600" b="1" smtClean="0">
+                <a:solidFill>
+                  <a:srgbClr val="000080"/>
+                </a:solidFill>
+                <a:effectLst/>
+                <a:latin typeface="Courier New" panose="02070309020205020404" pitchFamily="49" charset="0"/>
+              </a:rPr>
+              <a:t>=</a:t>
+            </a:r>
+            <a:r>
+              <a:rPr lang="en-US" altLang="zh-CN" sz="1600" smtClean="0">
+                <a:solidFill>
+                  <a:srgbClr val="000000"/>
+                </a:solidFill>
+                <a:effectLst/>
+                <a:latin typeface="Courier New" panose="02070309020205020404" pitchFamily="49" charset="0"/>
+              </a:rPr>
               <a:t> </a:t>
             </a:r>
             <a:r>
               <a:rPr lang="en-US" altLang="zh-CN" sz="1600" smtClean="0">
                 <a:solidFill>
-                  <a:srgbClr val="000000"/>
-                </a:solidFill>
-                <a:effectLst/>
-                <a:latin typeface="Courier New" panose="02070309020205020404" pitchFamily="49" charset="0"/>
-              </a:rPr>
-              <a:t>bs4 </a:t>
+                  <a:srgbClr val="808080"/>
+                </a:solidFill>
+                <a:effectLst/>
+                <a:latin typeface="Courier New" panose="02070309020205020404" pitchFamily="49" charset="0"/>
+              </a:rPr>
+              <a:t>"</a:t>
+            </a:r>
+            <a:r>
+              <a:rPr lang="en-US" altLang="zh-CN" sz="1600" u="sng" smtClean="0">
+                <a:solidFill>
+                  <a:srgbClr val="808080"/>
+                </a:solidFill>
+                <a:effectLst/>
+                <a:latin typeface="Courier New" panose="02070309020205020404" pitchFamily="49" charset="0"/>
+              </a:rPr>
+              <a:t>http://www.luoxia.com/santi/</a:t>
+            </a:r>
+            <a:r>
+              <a:rPr lang="en-US" altLang="zh-CN" sz="1600" smtClean="0">
+                <a:solidFill>
+                  <a:srgbClr val="808080"/>
+                </a:solidFill>
+                <a:effectLst/>
+                <a:latin typeface="Courier New" panose="02070309020205020404" pitchFamily="49" charset="0"/>
+              </a:rPr>
+              <a:t>"</a:t>
+            </a:r>
+            <a:r>
+              <a:rPr lang="en-US" altLang="zh-CN" sz="1600" smtClean="0">
+                <a:solidFill>
+                  <a:srgbClr val="000000"/>
+                </a:solidFill>
+                <a:effectLst/>
+                <a:latin typeface="Courier New" panose="02070309020205020404" pitchFamily="49" charset="0"/>
+              </a:rPr>
+              <a:t> </a:t>
+            </a:r>
+          </a:p>
+          <a:p>
+            <a:r>
+              <a:rPr lang="en-US" altLang="zh-CN" sz="1600" smtClean="0">
+                <a:solidFill>
+                  <a:srgbClr val="000000"/>
+                </a:solidFill>
+                <a:effectLst/>
+                <a:latin typeface="Courier New" panose="02070309020205020404" pitchFamily="49" charset="0"/>
+              </a:rPr>
+              <a:t>response </a:t>
             </a:r>
             <a:r>
               <a:rPr lang="en-US" altLang="zh-CN" sz="1600" b="1" smtClean="0">
                 <a:solidFill>
+                  <a:srgbClr val="000080"/>
+                </a:solidFill>
+                <a:effectLst/>
+                <a:latin typeface="Courier New" panose="02070309020205020404" pitchFamily="49" charset="0"/>
+              </a:rPr>
+              <a:t>=</a:t>
+            </a:r>
+            <a:r>
+              <a:rPr lang="en-US" altLang="zh-CN" sz="1600" smtClean="0">
+                <a:solidFill>
+                  <a:srgbClr val="000000"/>
+                </a:solidFill>
+                <a:effectLst/>
+                <a:latin typeface="Courier New" panose="02070309020205020404" pitchFamily="49" charset="0"/>
+              </a:rPr>
+              <a:t> requests</a:t>
+            </a:r>
+            <a:r>
+              <a:rPr lang="en-US" altLang="zh-CN" sz="1600" b="1" smtClean="0">
+                <a:solidFill>
+                  <a:srgbClr val="000080"/>
+                </a:solidFill>
+                <a:effectLst/>
+                <a:latin typeface="Courier New" panose="02070309020205020404" pitchFamily="49" charset="0"/>
+              </a:rPr>
+              <a:t>.</a:t>
+            </a:r>
+            <a:r>
+              <a:rPr lang="en-US" altLang="zh-CN" sz="1600" smtClean="0">
+                <a:solidFill>
+                  <a:srgbClr val="000000"/>
+                </a:solidFill>
+                <a:effectLst/>
+                <a:latin typeface="Courier New" panose="02070309020205020404" pitchFamily="49" charset="0"/>
+              </a:rPr>
+              <a:t>get</a:t>
+            </a:r>
+            <a:r>
+              <a:rPr lang="en-US" altLang="zh-CN" sz="1600" b="1" smtClean="0">
+                <a:solidFill>
+                  <a:srgbClr val="000080"/>
+                </a:solidFill>
+                <a:effectLst/>
+                <a:latin typeface="Courier New" panose="02070309020205020404" pitchFamily="49" charset="0"/>
+              </a:rPr>
+              <a:t>(</a:t>
+            </a:r>
+            <a:r>
+              <a:rPr lang="en-US" altLang="zh-CN" sz="1600" smtClean="0">
+                <a:solidFill>
+                  <a:srgbClr val="000000"/>
+                </a:solidFill>
+                <a:effectLst/>
+                <a:latin typeface="Courier New" panose="02070309020205020404" pitchFamily="49" charset="0"/>
+              </a:rPr>
+              <a:t>url</a:t>
+            </a:r>
+            <a:r>
+              <a:rPr lang="en-US" altLang="zh-CN" sz="1600" b="1" smtClean="0">
+                <a:solidFill>
+                  <a:srgbClr val="000080"/>
+                </a:solidFill>
+                <a:effectLst/>
+                <a:latin typeface="Courier New" panose="02070309020205020404" pitchFamily="49" charset="0"/>
+              </a:rPr>
+              <a:t>)</a:t>
+            </a:r>
+            <a:r>
+              <a:rPr lang="en-US" altLang="zh-CN" sz="1600" smtClean="0">
+                <a:solidFill>
+                  <a:srgbClr val="000000"/>
+                </a:solidFill>
+                <a:effectLst/>
+                <a:latin typeface="Courier New" panose="02070309020205020404" pitchFamily="49" charset="0"/>
+              </a:rPr>
+              <a:t> </a:t>
+            </a:r>
+          </a:p>
+          <a:p>
+            <a:r>
+              <a:rPr lang="en-US" altLang="zh-CN" sz="1600" smtClean="0">
+                <a:solidFill>
+                  <a:srgbClr val="000000"/>
+                </a:solidFill>
+                <a:effectLst/>
+                <a:latin typeface="Courier New" panose="02070309020205020404" pitchFamily="49" charset="0"/>
+              </a:rPr>
+              <a:t>soup </a:t>
+            </a:r>
+            <a:r>
+              <a:rPr lang="en-US" altLang="zh-CN" sz="1600" b="1" smtClean="0">
+                <a:solidFill>
+                  <a:srgbClr val="000080"/>
+                </a:solidFill>
+                <a:effectLst/>
+                <a:latin typeface="Courier New" panose="02070309020205020404" pitchFamily="49" charset="0"/>
+              </a:rPr>
+              <a:t>=</a:t>
+            </a:r>
+            <a:r>
+              <a:rPr lang="en-US" altLang="zh-CN" sz="1600" smtClean="0">
+                <a:solidFill>
+                  <a:srgbClr val="000000"/>
+                </a:solidFill>
+                <a:effectLst/>
+                <a:latin typeface="Courier New" panose="02070309020205020404" pitchFamily="49" charset="0"/>
+              </a:rPr>
+              <a:t> BeautifulSoup</a:t>
+            </a:r>
+            <a:r>
+              <a:rPr lang="en-US" altLang="zh-CN" sz="1600" b="1" smtClean="0">
+                <a:solidFill>
+                  <a:srgbClr val="000080"/>
+                </a:solidFill>
+                <a:effectLst/>
+                <a:latin typeface="Courier New" panose="02070309020205020404" pitchFamily="49" charset="0"/>
+              </a:rPr>
+              <a:t>(</a:t>
+            </a:r>
+            <a:r>
+              <a:rPr lang="en-US" altLang="zh-CN" sz="1600" smtClean="0">
+                <a:solidFill>
+                  <a:srgbClr val="000000"/>
+                </a:solidFill>
+                <a:effectLst/>
+                <a:latin typeface="Courier New" panose="02070309020205020404" pitchFamily="49" charset="0"/>
+              </a:rPr>
+              <a:t>response</a:t>
+            </a:r>
+            <a:r>
+              <a:rPr lang="en-US" altLang="zh-CN" sz="1600" b="1" smtClean="0">
+                <a:solidFill>
+                  <a:srgbClr val="000080"/>
+                </a:solidFill>
+                <a:effectLst/>
+                <a:latin typeface="Courier New" panose="02070309020205020404" pitchFamily="49" charset="0"/>
+              </a:rPr>
+              <a:t>.</a:t>
+            </a:r>
+            <a:r>
+              <a:rPr lang="en-US" altLang="zh-CN" sz="1600" smtClean="0">
+                <a:solidFill>
+                  <a:srgbClr val="000000"/>
+                </a:solidFill>
+                <a:effectLst/>
+                <a:latin typeface="Courier New" panose="02070309020205020404" pitchFamily="49" charset="0"/>
+              </a:rPr>
+              <a:t>text</a:t>
+            </a:r>
+            <a:r>
+              <a:rPr lang="en-US" altLang="zh-CN" sz="1600" b="1" smtClean="0">
+                <a:solidFill>
+                  <a:srgbClr val="000080"/>
+                </a:solidFill>
+                <a:effectLst/>
+                <a:latin typeface="Courier New" panose="02070309020205020404" pitchFamily="49" charset="0"/>
+              </a:rPr>
+              <a:t>,</a:t>
+            </a:r>
+            <a:r>
+              <a:rPr lang="en-US" altLang="zh-CN" sz="1600" smtClean="0">
+                <a:solidFill>
+                  <a:srgbClr val="000000"/>
+                </a:solidFill>
+                <a:effectLst/>
+                <a:latin typeface="Courier New" panose="02070309020205020404" pitchFamily="49" charset="0"/>
+              </a:rPr>
+              <a:t> </a:t>
+            </a:r>
+            <a:r>
+              <a:rPr lang="en-US" altLang="zh-CN" sz="1600" smtClean="0">
+                <a:solidFill>
+                  <a:srgbClr val="808080"/>
+                </a:solidFill>
+                <a:effectLst/>
+                <a:latin typeface="Courier New" panose="02070309020205020404" pitchFamily="49" charset="0"/>
+              </a:rPr>
+              <a:t>"lxml"</a:t>
+            </a:r>
+            <a:r>
+              <a:rPr lang="en-US" altLang="zh-CN" sz="1600" b="1" smtClean="0">
+                <a:solidFill>
+                  <a:srgbClr val="000080"/>
+                </a:solidFill>
+                <a:effectLst/>
+                <a:latin typeface="Courier New" panose="02070309020205020404" pitchFamily="49" charset="0"/>
+              </a:rPr>
+              <a:t>)</a:t>
+            </a:r>
+            <a:r>
+              <a:rPr lang="en-US" altLang="zh-CN" sz="1600" smtClean="0">
+                <a:solidFill>
+                  <a:srgbClr val="000000"/>
+                </a:solidFill>
+                <a:effectLst/>
+                <a:latin typeface="Courier New" panose="02070309020205020404" pitchFamily="49" charset="0"/>
+              </a:rPr>
+              <a:t> </a:t>
+            </a:r>
+          </a:p>
+          <a:p>
+            <a:r>
+              <a:rPr lang="en-US" altLang="zh-CN" sz="1600" smtClean="0">
+                <a:solidFill>
+                  <a:srgbClr val="000000"/>
+                </a:solidFill>
+                <a:effectLst/>
+                <a:latin typeface="Courier New" panose="02070309020205020404" pitchFamily="49" charset="0"/>
+              </a:rPr>
+              <a:t>parts </a:t>
+            </a:r>
+            <a:r>
+              <a:rPr lang="en-US" altLang="zh-CN" sz="1600" b="1" smtClean="0">
+                <a:solidFill>
+                  <a:srgbClr val="000080"/>
+                </a:solidFill>
+                <a:effectLst/>
+                <a:latin typeface="Courier New" panose="02070309020205020404" pitchFamily="49" charset="0"/>
+              </a:rPr>
+              <a:t>=</a:t>
+            </a:r>
+            <a:r>
+              <a:rPr lang="en-US" altLang="zh-CN" sz="1600" smtClean="0">
+                <a:solidFill>
+                  <a:srgbClr val="000000"/>
+                </a:solidFill>
+                <a:effectLst/>
+                <a:latin typeface="Courier New" panose="02070309020205020404" pitchFamily="49" charset="0"/>
+              </a:rPr>
+              <a:t> soup</a:t>
+            </a:r>
+            <a:r>
+              <a:rPr lang="en-US" altLang="zh-CN" sz="1600" b="1" smtClean="0">
+                <a:solidFill>
+                  <a:srgbClr val="000080"/>
+                </a:solidFill>
+                <a:effectLst/>
+                <a:latin typeface="Courier New" panose="02070309020205020404" pitchFamily="49" charset="0"/>
+              </a:rPr>
+              <a:t>.</a:t>
+            </a:r>
+            <a:r>
+              <a:rPr lang="en-US" altLang="zh-CN" sz="1600" smtClean="0">
+                <a:solidFill>
+                  <a:srgbClr val="000000"/>
+                </a:solidFill>
+                <a:effectLst/>
+                <a:latin typeface="Courier New" panose="02070309020205020404" pitchFamily="49" charset="0"/>
+              </a:rPr>
+              <a:t>select</a:t>
+            </a:r>
+            <a:r>
+              <a:rPr lang="en-US" altLang="zh-CN" sz="1600" b="1" smtClean="0">
+                <a:solidFill>
+                  <a:srgbClr val="000080"/>
+                </a:solidFill>
+                <a:effectLst/>
+                <a:latin typeface="Courier New" panose="02070309020205020404" pitchFamily="49" charset="0"/>
+              </a:rPr>
+              <a:t>(</a:t>
+            </a:r>
+            <a:r>
+              <a:rPr lang="en-US" altLang="zh-CN" sz="1600" smtClean="0">
+                <a:solidFill>
+                  <a:srgbClr val="808080"/>
+                </a:solidFill>
+                <a:effectLst/>
+                <a:latin typeface="Courier New" panose="02070309020205020404" pitchFamily="49" charset="0"/>
+              </a:rPr>
+              <a:t>"div.title.clearfix h3 a"</a:t>
+            </a:r>
+            <a:r>
+              <a:rPr lang="en-US" altLang="zh-CN" sz="1600" b="1" smtClean="0">
+                <a:solidFill>
+                  <a:srgbClr val="000080"/>
+                </a:solidFill>
+                <a:effectLst/>
+                <a:latin typeface="Courier New" panose="02070309020205020404" pitchFamily="49" charset="0"/>
+              </a:rPr>
+              <a:t>)</a:t>
+            </a:r>
+            <a:r>
+              <a:rPr lang="en-US" altLang="zh-CN" sz="1600" smtClean="0">
+                <a:solidFill>
+                  <a:srgbClr val="000000"/>
+                </a:solidFill>
+                <a:effectLst/>
+                <a:latin typeface="Courier New" panose="02070309020205020404" pitchFamily="49" charset="0"/>
+              </a:rPr>
+              <a:t> </a:t>
+            </a:r>
+          </a:p>
+          <a:p>
+            <a:r>
+              <a:rPr lang="en-US" altLang="zh-CN" sz="1600" b="1" smtClean="0">
+                <a:solidFill>
                   <a:srgbClr val="0000FF"/>
                 </a:solidFill>
                 <a:effectLst/>
                 <a:latin typeface="Courier New" panose="02070309020205020404" pitchFamily="49" charset="0"/>
               </a:rPr>
-              <a:t>import</a:t>
+              <a:t>for</a:t>
             </a:r>
             <a:r>
               <a:rPr lang="en-US" altLang="zh-CN" sz="1600" smtClean="0">
@@ -13532,10 +13915,18 @@
                 <a:effectLst/>
                 <a:latin typeface="Courier New" panose="02070309020205020404" pitchFamily="49" charset="0"/>
               </a:rPr>
-              <a:t> BeautifulSoup </a:t>
-            </a:r>
-          </a:p>
-          <a:p>
+              <a:t> part </a:t>
+            </a:r>
+            <a:r>
+              <a:rPr lang="en-US" altLang="zh-CN" sz="1600" b="1" smtClean="0">
+                <a:solidFill>
+                  <a:srgbClr val="0000FF"/>
+                </a:solidFill>
+                <a:effectLst/>
+                <a:latin typeface="Courier New" panose="02070309020205020404" pitchFamily="49" charset="0"/>
+              </a:rPr>
+              <a:t>in</a:t>
+            </a:r>
             <a:r>
               <a:rPr lang="en-US" altLang="zh-CN" sz="1600" smtClean="0">
                 <a:solidFill>
@@ -13544,7 +13935,7 @@
                 <a:effectLst/>
                 <a:latin typeface="Courier New" panose="02070309020205020404" pitchFamily="49" charset="0"/>
               </a:rPr>
-              <a:t>url </a:t>
+              <a:t> parts</a:t>
             </a:r>
             <a:r>
               <a:rPr lang="en-US" altLang="zh-CN" sz="1600" b="1" smtClean="0">
@@ -13554,6 +13945,39 @@
                 <a:effectLst/>
                 <a:latin typeface="Courier New" panose="02070309020205020404" pitchFamily="49" charset="0"/>
               </a:rPr>
+              <a:t>:</a:t>
+            </a:r>
+            <a:r>
+              <a:rPr lang="en-US" altLang="zh-CN" sz="1600" smtClean="0">
+                <a:solidFill>
+                  <a:srgbClr val="000000"/>
+                </a:solidFill>
+                <a:effectLst/>
+                <a:latin typeface="Courier New" panose="02070309020205020404" pitchFamily="49" charset="0"/>
+              </a:rPr>
+              <a:t> </a:t>
+            </a:r>
+          </a:p>
+          <a:p>
+            <a:pPr lvl="1"/>
+            <a:r>
+              <a:rPr lang="en-US" altLang="zh-CN" sz="1600" smtClean="0">
+                <a:solidFill>
+                  <a:srgbClr val="000000"/>
+                </a:solidFill>
+                <a:effectLst/>
+                <a:latin typeface="Courier New" panose="02070309020205020404" pitchFamily="49" charset="0"/>
+              </a:rPr>
+              <a:t>part_name </a:t>
+            </a:r>
+            <a:r>
+              <a:rPr lang="en-US" altLang="zh-CN" sz="1600" b="1" smtClean="0">
+                <a:solidFill>
+                  <a:srgbClr val="000080"/>
+                </a:solidFill>
+                <a:effectLst/>
+                <a:latin typeface="Courier New" panose="02070309020205020404" pitchFamily="49" charset="0"/>
+              </a:rPr>
               <a:t>=</a:t>
             </a:r>
             <a:r>
@@ -13564,503 +13988,48 @@
                 <a:effectLst/>
                 <a:latin typeface="Courier New" panose="02070309020205020404" pitchFamily="49" charset="0"/>
               </a:rPr>
+              <a:t> part</a:t>
+            </a:r>
+            <a:r>
+              <a:rPr lang="en-US" altLang="zh-CN" sz="1600" b="1" smtClean="0">
+                <a:solidFill>
+                  <a:srgbClr val="000080"/>
+                </a:solidFill>
+                <a:effectLst/>
+                <a:latin typeface="Courier New" panose="02070309020205020404" pitchFamily="49" charset="0"/>
+              </a:rPr>
+              <a:t>[</a:t>
+            </a:r>
+            <a:r>
+              <a:rPr lang="en-US" altLang="zh-CN" sz="1600" smtClean="0">
+                <a:solidFill>
+                  <a:srgbClr val="808080"/>
+                </a:solidFill>
+                <a:effectLst/>
+                <a:latin typeface="Courier New" panose="02070309020205020404" pitchFamily="49" charset="0"/>
+              </a:rPr>
+              <a:t>"title"</a:t>
+            </a:r>
+            <a:r>
+              <a:rPr lang="en-US" altLang="zh-CN" sz="1600" b="1" smtClean="0">
+                <a:solidFill>
+                  <a:srgbClr val="000080"/>
+                </a:solidFill>
+                <a:effectLst/>
+                <a:latin typeface="Courier New" panose="02070309020205020404" pitchFamily="49" charset="0"/>
+              </a:rPr>
+              <a:t>]</a:t>
+            </a:r>
+            <a:r>
+              <a:rPr lang="en-US" altLang="zh-CN" sz="1600" smtClean="0">
+                <a:solidFill>
+                  <a:srgbClr val="000000"/>
+                </a:solidFill>
+                <a:effectLst/>
+                <a:latin typeface="Courier New" panose="02070309020205020404" pitchFamily="49" charset="0"/>
+              </a:rPr>
               <a:t> </a:t>
             </a:r>
-            <a:r>
-              <a:rPr lang="en-US" altLang="zh-CN" sz="1600" smtClean="0">
-                <a:solidFill>
-                  <a:srgbClr val="808080"/>
-                </a:solidFill>
-                <a:effectLst/>
-                <a:latin typeface="Courier New" panose="02070309020205020404" pitchFamily="49" charset="0"/>
-              </a:rPr>
-              <a:t>"</a:t>
-            </a:r>
-            <a:r>
-              <a:rPr lang="en-US" altLang="zh-CN" sz="1600" u="sng" smtClean="0">
-                <a:solidFill>
-                  <a:srgbClr val="808080"/>
-                </a:solidFill>
-                <a:effectLst/>
-                <a:latin typeface="Courier New" panose="02070309020205020404" pitchFamily="49" charset="0"/>
-              </a:rPr>
-              <a:t>http://www.luoxia.com/santi/</a:t>
-            </a:r>
-            <a:r>
-              <a:rPr lang="en-US" altLang="zh-CN" sz="1600" smtClean="0">
-                <a:solidFill>
-                  <a:srgbClr val="808080"/>
-                </a:solidFill>
-                <a:effectLst/>
-                <a:latin typeface="Courier New" panose="02070309020205020404" pitchFamily="49" charset="0"/>
-              </a:rPr>
-              <a:t>"</a:t>
-            </a:r>
-            <a:r>
-              <a:rPr lang="en-US" altLang="zh-CN" sz="1600" smtClean="0">
-                <a:solidFill>
-                  <a:srgbClr val="000000"/>
-                </a:solidFill>
-                <a:effectLst/>
-                <a:latin typeface="Courier New" panose="02070309020205020404" pitchFamily="49" charset="0"/>
-              </a:rPr>
-              <a:t> </a:t>
-            </a:r>
-          </a:p>
-          <a:p>
-            <a:r>
-              <a:rPr lang="en-US" altLang="zh-CN" sz="1600" smtClean="0">
-                <a:solidFill>
-                  <a:srgbClr val="000000"/>
-                </a:solidFill>
-                <a:effectLst/>
-                <a:latin typeface="Courier New" panose="02070309020205020404" pitchFamily="49" charset="0"/>
-              </a:rPr>
-              <a:t>response </a:t>
-            </a:r>
-            <a:r>
-              <a:rPr lang="en-US" altLang="zh-CN" sz="1600" b="1" smtClean="0">
-                <a:solidFill>
-                  <a:srgbClr val="000080"/>
-                </a:solidFill>
-                <a:effectLst/>
-                <a:latin typeface="Courier New" panose="02070309020205020404" pitchFamily="49" charset="0"/>
-              </a:rPr>
-              <a:t>=</a:t>
-            </a:r>
-            <a:r>
-              <a:rPr lang="en-US" altLang="zh-CN" sz="1600" smtClean="0">
-                <a:solidFill>
-                  <a:srgbClr val="000000"/>
-                </a:solidFill>
-                <a:effectLst/>
-                <a:latin typeface="Courier New" panose="02070309020205020404" pitchFamily="49" charset="0"/>
-              </a:rPr>
-              <a:t> requests</a:t>
-            </a:r>
-            <a:r>
-              <a:rPr lang="en-US" altLang="zh-CN" sz="1600" b="1" smtClean="0">
-                <a:solidFill>
-                  <a:srgbClr val="000080"/>
-                </a:solidFill>
-                <a:effectLst/>
-                <a:latin typeface="Courier New" panose="02070309020205020404" pitchFamily="49" charset="0"/>
-              </a:rPr>
-              <a:t>.</a:t>
-            </a:r>
-            <a:r>
-              <a:rPr lang="en-US" altLang="zh-CN" sz="1600" smtClean="0">
-                <a:solidFill>
-                  <a:srgbClr val="000000"/>
-                </a:solidFill>
-                <a:effectLst/>
-                <a:latin typeface="Courier New" panose="02070309020205020404" pitchFamily="49" charset="0"/>
-              </a:rPr>
-              <a:t>get</a:t>
-            </a:r>
-            <a:r>
-              <a:rPr lang="en-US" altLang="zh-CN" sz="1600" b="1" smtClean="0">
-                <a:solidFill>
-                  <a:srgbClr val="000080"/>
-                </a:solidFill>
-                <a:effectLst/>
-                <a:latin typeface="Courier New" panose="02070309020205020404" pitchFamily="49" charset="0"/>
-              </a:rPr>
-              <a:t>(</a:t>
-            </a:r>
-            <a:r>
-              <a:rPr lang="en-US" altLang="zh-CN" sz="1600" smtClean="0">
-                <a:solidFill>
-                  <a:srgbClr val="000000"/>
-                </a:solidFill>
-                <a:effectLst/>
-                <a:latin typeface="Courier New" panose="02070309020205020404" pitchFamily="49" charset="0"/>
-              </a:rPr>
-              <a:t>url</a:t>
-            </a:r>
-            <a:r>
-              <a:rPr lang="en-US" altLang="zh-CN" sz="1600" b="1" smtClean="0">
-                <a:solidFill>
-                  <a:srgbClr val="000080"/>
-                </a:solidFill>
-                <a:effectLst/>
-                <a:latin typeface="Courier New" panose="02070309020205020404" pitchFamily="49" charset="0"/>
-              </a:rPr>
-              <a:t>)</a:t>
-            </a:r>
-            <a:r>
-              <a:rPr lang="en-US" altLang="zh-CN" sz="1600" smtClean="0">
-                <a:solidFill>
-                  <a:srgbClr val="000000"/>
-                </a:solidFill>
-                <a:effectLst/>
-                <a:latin typeface="Courier New" panose="02070309020205020404" pitchFamily="49" charset="0"/>
-              </a:rPr>
-              <a:t> </a:t>
-            </a:r>
-          </a:p>
-          <a:p>
-            <a:r>
-              <a:rPr lang="en-US" altLang="zh-CN" sz="1600" smtClean="0">
-                <a:solidFill>
-                  <a:srgbClr val="000000"/>
-                </a:solidFill>
-                <a:effectLst/>
-                <a:latin typeface="Courier New" panose="02070309020205020404" pitchFamily="49" charset="0"/>
-              </a:rPr>
-              <a:t>soup </a:t>
-            </a:r>
-            <a:r>
-              <a:rPr lang="en-US" altLang="zh-CN" sz="1600" b="1" smtClean="0">
-                <a:solidFill>
-                  <a:srgbClr val="000080"/>
-                </a:solidFill>
-                <a:effectLst/>
-                <a:latin typeface="Courier New" panose="02070309020205020404" pitchFamily="49" charset="0"/>
-              </a:rPr>
-              <a:t>=</a:t>
-            </a:r>
-            <a:r>
-              <a:rPr lang="en-US" altLang="zh-CN" sz="1600" smtClean="0">
-                <a:solidFill>
-                  <a:srgbClr val="000000"/>
-                </a:solidFill>
-                <a:effectLst/>
-                <a:latin typeface="Courier New" panose="02070309020205020404" pitchFamily="49" charset="0"/>
-              </a:rPr>
-              <a:t> BeautifulSoup</a:t>
-            </a:r>
-            <a:r>
-              <a:rPr lang="en-US" altLang="zh-CN" sz="1600" b="1" smtClean="0">
-                <a:solidFill>
-                  <a:srgbClr val="000080"/>
-                </a:solidFill>
-                <a:effectLst/>
-                <a:latin typeface="Courier New" panose="02070309020205020404" pitchFamily="49" charset="0"/>
-              </a:rPr>
-              <a:t>(</a:t>
-            </a:r>
-            <a:r>
-              <a:rPr lang="en-US" altLang="zh-CN" sz="1600" smtClean="0">
-                <a:solidFill>
-                  <a:srgbClr val="000000"/>
-                </a:solidFill>
-                <a:effectLst/>
-                <a:latin typeface="Courier New" panose="02070309020205020404" pitchFamily="49" charset="0"/>
-              </a:rPr>
-              <a:t>response</a:t>
-            </a:r>
-            <a:r>
-              <a:rPr lang="en-US" altLang="zh-CN" sz="1600" b="1" smtClean="0">
-                <a:solidFill>
-                  <a:srgbClr val="000080"/>
-                </a:solidFill>
-                <a:effectLst/>
-                <a:latin typeface="Courier New" panose="02070309020205020404" pitchFamily="49" charset="0"/>
-              </a:rPr>
-              <a:t>.</a:t>
-            </a:r>
-            <a:r>
-              <a:rPr lang="en-US" altLang="zh-CN" sz="1600" smtClean="0">
-                <a:solidFill>
-                  <a:srgbClr val="000000"/>
-                </a:solidFill>
-                <a:effectLst/>
-                <a:latin typeface="Courier New" panose="02070309020205020404" pitchFamily="49" charset="0"/>
-              </a:rPr>
-              <a:t>text</a:t>
-            </a:r>
-            <a:r>
-              <a:rPr lang="en-US" altLang="zh-CN" sz="1600" b="1" smtClean="0">
-                <a:solidFill>
-                  <a:srgbClr val="000080"/>
-                </a:solidFill>
-                <a:effectLst/>
-                <a:latin typeface="Courier New" panose="02070309020205020404" pitchFamily="49" charset="0"/>
-              </a:rPr>
-              <a:t>,</a:t>
-            </a:r>
-            <a:r>
-              <a:rPr lang="en-US" altLang="zh-CN" sz="1600" smtClean="0">
-                <a:solidFill>
-                  <a:srgbClr val="000000"/>
-                </a:solidFill>
-                <a:effectLst/>
-                <a:latin typeface="Courier New" panose="02070309020205020404" pitchFamily="49" charset="0"/>
-              </a:rPr>
-              <a:t> </a:t>
-            </a:r>
-            <a:r>
-              <a:rPr lang="en-US" altLang="zh-CN" sz="1600" smtClean="0">
-                <a:solidFill>
-                  <a:srgbClr val="808080"/>
-                </a:solidFill>
-                <a:effectLst/>
-                <a:latin typeface="Courier New" panose="02070309020205020404" pitchFamily="49" charset="0"/>
-              </a:rPr>
-              <a:t>"lxml"</a:t>
-            </a:r>
-            <a:r>
-              <a:rPr lang="en-US" altLang="zh-CN" sz="1600" b="1" smtClean="0">
-                <a:solidFill>
-                  <a:srgbClr val="000080"/>
-                </a:solidFill>
-                <a:effectLst/>
-                <a:latin typeface="Courier New" panose="02070309020205020404" pitchFamily="49" charset="0"/>
-              </a:rPr>
-              <a:t>)</a:t>
-            </a:r>
-            <a:r>
-              <a:rPr lang="en-US" altLang="zh-CN" sz="1600" smtClean="0">
-                <a:solidFill>
-                  <a:srgbClr val="000000"/>
-                </a:solidFill>
-                <a:effectLst/>
-                <a:latin typeface="Courier New" panose="02070309020205020404" pitchFamily="49" charset="0"/>
-              </a:rPr>
-              <a:t> </a:t>
-            </a:r>
-          </a:p>
-          <a:p>
-            <a:r>
-              <a:rPr lang="en-US" altLang="zh-CN" sz="1600" smtClean="0">
-                <a:solidFill>
-                  <a:srgbClr val="000000"/>
-                </a:solidFill>
-                <a:effectLst/>
-                <a:latin typeface="Courier New" panose="02070309020205020404" pitchFamily="49" charset="0"/>
-              </a:rPr>
-              <a:t>parts </a:t>
-            </a:r>
-            <a:r>
-              <a:rPr lang="en-US" altLang="zh-CN" sz="1600" b="1" smtClean="0">
-                <a:solidFill>
-                  <a:srgbClr val="000080"/>
-                </a:solidFill>
-                <a:effectLst/>
-                <a:latin typeface="Courier New" panose="02070309020205020404" pitchFamily="49" charset="0"/>
-              </a:rPr>
-              <a:t>=</a:t>
-            </a:r>
-            <a:r>
-              <a:rPr lang="en-US" altLang="zh-CN" sz="1600" smtClean="0">
-                <a:solidFill>
-                  <a:srgbClr val="000000"/>
-                </a:solidFill>
-                <a:effectLst/>
-                <a:latin typeface="Courier New" panose="02070309020205020404" pitchFamily="49" charset="0"/>
-              </a:rPr>
-              <a:t> soup</a:t>
-            </a:r>
-            <a:r>
-              <a:rPr lang="en-US" altLang="zh-CN" sz="1600" b="1" smtClean="0">
-                <a:solidFill>
-                  <a:srgbClr val="000080"/>
-                </a:solidFill>
-                <a:effectLst/>
-                <a:latin typeface="Courier New" panose="02070309020205020404" pitchFamily="49" charset="0"/>
-              </a:rPr>
-              <a:t>.</a:t>
-            </a:r>
-            <a:r>
-              <a:rPr lang="en-US" altLang="zh-CN" sz="1600" smtClean="0">
-                <a:solidFill>
-                  <a:srgbClr val="000000"/>
-                </a:solidFill>
-                <a:effectLst/>
-                <a:latin typeface="Courier New" panose="02070309020205020404" pitchFamily="49" charset="0"/>
-              </a:rPr>
-              <a:t>select</a:t>
-            </a:r>
-            <a:r>
-              <a:rPr lang="en-US" altLang="zh-CN" sz="1600" b="1" smtClean="0">
-                <a:solidFill>
-                  <a:srgbClr val="000080"/>
-                </a:solidFill>
-                <a:effectLst/>
-                <a:latin typeface="Courier New" panose="02070309020205020404" pitchFamily="49" charset="0"/>
-              </a:rPr>
-              <a:t>(</a:t>
-            </a:r>
-            <a:r>
-              <a:rPr lang="en-US" altLang="zh-CN" sz="1600" smtClean="0">
-                <a:solidFill>
-                  <a:srgbClr val="808080"/>
-                </a:solidFill>
-                <a:effectLst/>
-                <a:latin typeface="Courier New" panose="02070309020205020404" pitchFamily="49" charset="0"/>
-              </a:rPr>
-              <a:t>"div.title.clearfix h3 a"</a:t>
-            </a:r>
-            <a:r>
-              <a:rPr lang="en-US" altLang="zh-CN" sz="1600" b="1" smtClean="0">
-                <a:solidFill>
-                  <a:srgbClr val="000080"/>
-                </a:solidFill>
-                <a:effectLst/>
-                <a:latin typeface="Courier New" panose="02070309020205020404" pitchFamily="49" charset="0"/>
-              </a:rPr>
-              <a:t>)</a:t>
-            </a:r>
-            <a:r>
-              <a:rPr lang="en-US" altLang="zh-CN" sz="1600" smtClean="0">
-                <a:solidFill>
-                  <a:srgbClr val="000000"/>
-                </a:solidFill>
-                <a:effectLst/>
-                <a:latin typeface="Courier New" panose="02070309020205020404" pitchFamily="49" charset="0"/>
-              </a:rPr>
-              <a:t> </a:t>
-            </a:r>
-          </a:p>
-          <a:p>
-            <a:r>
-              <a:rPr lang="en-US" altLang="zh-CN" sz="1600" b="1" smtClean="0">
-                <a:solidFill>
-                  <a:srgbClr val="0000FF"/>
-                </a:solidFill>
-                <a:effectLst/>
-                <a:latin typeface="Courier New" panose="02070309020205020404" pitchFamily="49" charset="0"/>
-              </a:rPr>
-              <a:t>for</a:t>
-            </a:r>
-            <a:r>
-              <a:rPr lang="en-US" altLang="zh-CN" sz="1600" smtClean="0">
-                <a:solidFill>
-                  <a:srgbClr val="000000"/>
-                </a:solidFill>
-                <a:effectLst/>
-                <a:latin typeface="Courier New" panose="02070309020205020404" pitchFamily="49" charset="0"/>
-              </a:rPr>
-              <a:t> part </a:t>
-            </a:r>
-            <a:r>
-              <a:rPr lang="en-US" altLang="zh-CN" sz="1600" b="1" smtClean="0">
-                <a:solidFill>
-                  <a:srgbClr val="0000FF"/>
-                </a:solidFill>
-                <a:effectLst/>
-                <a:latin typeface="Courier New" panose="02070309020205020404" pitchFamily="49" charset="0"/>
-              </a:rPr>
-              <a:t>in</a:t>
-            </a:r>
-            <a:r>
-              <a:rPr lang="en-US" altLang="zh-CN" sz="1600" smtClean="0">
-                <a:solidFill>
-                  <a:srgbClr val="000000"/>
-                </a:solidFill>
-                <a:effectLst/>
-                <a:latin typeface="Courier New" panose="02070309020205020404" pitchFamily="49" charset="0"/>
-              </a:rPr>
-              <a:t> parts</a:t>
-            </a:r>
-            <a:r>
-              <a:rPr lang="en-US" altLang="zh-CN" sz="1600" b="1" smtClean="0">
-                <a:solidFill>
-                  <a:srgbClr val="000080"/>
-                </a:solidFill>
-                <a:effectLst/>
-                <a:latin typeface="Courier New" panose="02070309020205020404" pitchFamily="49" charset="0"/>
-              </a:rPr>
-              <a:t>:</a:t>
-            </a:r>
-            <a:r>
-              <a:rPr lang="en-US" altLang="zh-CN" sz="1600" smtClean="0">
-                <a:solidFill>
-                  <a:srgbClr val="000000"/>
-                </a:solidFill>
-                <a:effectLst/>
-                <a:latin typeface="Courier New" panose="02070309020205020404" pitchFamily="49" charset="0"/>
-              </a:rPr>
-              <a:t> </a:t>
-            </a:r>
-            <a:endParaRPr lang="en-US" altLang="zh-CN" sz="1600" smtClean="0">
-              <a:solidFill>
-                <a:srgbClr val="000000"/>
-              </a:solidFill>
-              <a:effectLst/>
-              <a:latin typeface="Courier New" panose="02070309020205020404" pitchFamily="49" charset="0"/>
-            </a:endParaRPr>
-          </a:p>
-          <a:p>
-            <a:pPr lvl="1"/>
-            <a:r>
-              <a:rPr lang="en-US" altLang="zh-CN" sz="1600" smtClean="0">
-                <a:solidFill>
-                  <a:srgbClr val="000000"/>
-                </a:solidFill>
-                <a:effectLst/>
-                <a:latin typeface="Courier New" panose="02070309020205020404" pitchFamily="49" charset="0"/>
-              </a:rPr>
-              <a:t>part_name </a:t>
-            </a:r>
-            <a:r>
-              <a:rPr lang="en-US" altLang="zh-CN" sz="1600" b="1" smtClean="0">
-                <a:solidFill>
-                  <a:srgbClr val="000080"/>
-                </a:solidFill>
-                <a:effectLst/>
-                <a:latin typeface="Courier New" panose="02070309020205020404" pitchFamily="49" charset="0"/>
-              </a:rPr>
-              <a:t>=</a:t>
-            </a:r>
-            <a:r>
-              <a:rPr lang="en-US" altLang="zh-CN" sz="1600" smtClean="0">
-                <a:solidFill>
-                  <a:srgbClr val="000000"/>
-                </a:solidFill>
-                <a:effectLst/>
-                <a:latin typeface="Courier New" panose="02070309020205020404" pitchFamily="49" charset="0"/>
-              </a:rPr>
-              <a:t> part</a:t>
-            </a:r>
-            <a:r>
-              <a:rPr lang="en-US" altLang="zh-CN" sz="1600" b="1" smtClean="0">
-                <a:solidFill>
-                  <a:srgbClr val="000080"/>
-                </a:solidFill>
-                <a:effectLst/>
-                <a:latin typeface="Courier New" panose="02070309020205020404" pitchFamily="49" charset="0"/>
-              </a:rPr>
-              <a:t>[</a:t>
-            </a:r>
-            <a:r>
-              <a:rPr lang="en-US" altLang="zh-CN" sz="1600" smtClean="0">
-                <a:solidFill>
-                  <a:srgbClr val="808080"/>
-                </a:solidFill>
-                <a:effectLst/>
-                <a:latin typeface="Courier New" panose="02070309020205020404" pitchFamily="49" charset="0"/>
-              </a:rPr>
-              <a:t>"title"</a:t>
-            </a:r>
-            <a:r>
-              <a:rPr lang="en-US" altLang="zh-CN" sz="1600" b="1" smtClean="0">
-                <a:solidFill>
-                  <a:srgbClr val="000080"/>
-                </a:solidFill>
-                <a:effectLst/>
-                <a:latin typeface="Courier New" panose="02070309020205020404" pitchFamily="49" charset="0"/>
-              </a:rPr>
-              <a:t>]</a:t>
-            </a:r>
-            <a:r>
-              <a:rPr lang="en-US" altLang="zh-CN" sz="1600" smtClean="0">
-                <a:solidFill>
-                  <a:srgbClr val="000000"/>
-                </a:solidFill>
-                <a:effectLst/>
-                <a:latin typeface="Courier New" panose="02070309020205020404" pitchFamily="49" charset="0"/>
-              </a:rPr>
-              <a:t> </a:t>
-            </a:r>
-            <a:endParaRPr lang="en-US" altLang="zh-CN" sz="1600" smtClean="0">
-              <a:solidFill>
-                <a:srgbClr val="000000"/>
-              </a:solidFill>
-              <a:effectLst/>
-              <a:latin typeface="Courier New" panose="02070309020205020404" pitchFamily="49" charset="0"/>
-            </a:endParaRPr>
           </a:p>
           <a:p>
             <a:pPr lvl="1"/>
@@ -14637,13 +14606,6 @@
               </a:rPr>
               <a:t> requests </a:t>
             </a:r>
-            <a:endParaRPr lang="en-US" altLang="zh-CN" sz="1800" smtClean="0">
-              <a:solidFill>
-                <a:srgbClr val="000000"/>
-              </a:solidFill>
-              <a:effectLst/>
-              <a:latin typeface="Courier New" panose="02070309020205020404" pitchFamily="49" charset="0"/>
-            </a:endParaRPr>
           </a:p>
           <a:p>
             <a:r>
@@ -14664,17 +14626,7 @@
                 <a:effectLst/>
                 <a:latin typeface="Courier New" panose="02070309020205020404" pitchFamily="49" charset="0"/>
               </a:rPr>
-              <a:t> </a:t>
-            </a:r>
-            <a:r>
-              <a:rPr lang="en-US" altLang="zh-CN" sz="1800" smtClean="0">
-                <a:solidFill>
-                  <a:srgbClr val="000000"/>
-                </a:solidFill>
-                <a:effectLst/>
-                <a:latin typeface="Courier New" panose="02070309020205020404" pitchFamily="49" charset="0"/>
-              </a:rPr>
-              <a:t>bs4 </a:t>
+              <a:t> bs4 </a:t>
             </a:r>
             <a:r>
               <a:rPr lang="en-US" altLang="zh-CN" sz="1800" b="1" smtClean="0">
@@ -15750,13 +15702,6 @@
               </a:rPr>
               <a:t> requests </a:t>
             </a:r>
-            <a:endParaRPr lang="en-US" altLang="zh-CN" sz="1800" smtClean="0">
-              <a:solidFill>
-                <a:srgbClr val="000000"/>
-              </a:solidFill>
-              <a:effectLst/>
-              <a:latin typeface="Courier New" panose="02070309020205020404" pitchFamily="49" charset="0"/>
-            </a:endParaRPr>
           </a:p>
           <a:p>
             <a:r>
@@ -15777,7 +15722,17 @@
                 <a:effectLst/>
                 <a:latin typeface="Courier New" panose="02070309020205020404" pitchFamily="49" charset="0"/>
               </a:rPr>
-              <a:t> </a:t>
+              <a:t> bs4 </a:t>
+            </a:r>
+            <a:r>
+              <a:rPr lang="en-US" altLang="zh-CN" sz="1800" b="1" smtClean="0">
+                <a:solidFill>
+                  <a:srgbClr val="0000FF"/>
+                </a:solidFill>
+                <a:effectLst/>
+                <a:latin typeface="Courier New" panose="02070309020205020404" pitchFamily="49" charset="0"/>
+              </a:rPr>
+              <a:t>import</a:t>
             </a:r>
             <a:r>
               <a:rPr lang="en-US" altLang="zh-CN" sz="1800" smtClean="0">
@@ -15787,35 +15742,8 @@
                 <a:effectLst/>
                 <a:latin typeface="Courier New" panose="02070309020205020404" pitchFamily="49" charset="0"/>
               </a:rPr>
-              <a:t>bs4 </a:t>
-            </a:r>
-            <a:r>
-              <a:rPr lang="en-US" altLang="zh-CN" sz="1800" b="1" smtClean="0">
-                <a:solidFill>
-                  <a:srgbClr val="0000FF"/>
-                </a:solidFill>
-                <a:effectLst/>
-                <a:latin typeface="Courier New" panose="02070309020205020404" pitchFamily="49" charset="0"/>
-              </a:rPr>
-              <a:t>import</a:t>
-            </a:r>
-            <a:r>
-              <a:rPr lang="en-US" altLang="zh-CN" sz="1800" smtClean="0">
-                <a:solidFill>
-                  <a:srgbClr val="000000"/>
-                </a:solidFill>
-                <a:effectLst/>
-                <a:latin typeface="Courier New" panose="02070309020205020404" pitchFamily="49" charset="0"/>
-              </a:rPr>
               <a:t> BeautifulSoup </a:t>
             </a:r>
-            <a:endParaRPr lang="en-US" altLang="zh-CN" sz="1800" smtClean="0">
-              <a:solidFill>
-                <a:srgbClr val="000000"/>
-              </a:solidFill>
-              <a:effectLst/>
-              <a:latin typeface="Courier New" panose="02070309020205020404" pitchFamily="49" charset="0"/>
-            </a:endParaRPr>
           </a:p>
           <a:p>
             <a:r>
@@ -16812,7 +16740,7 @@
         </p:nvSpPr>
         <p:spPr>
           <a:xfrm>
-            <a:off x="605496" y="5157192"/>
+            <a:off x="599977" y="4835070"/>
             <a:ext cx="11089232" cy="707886"/>
           </a:xfrm>
           <a:prstGeom prst="rect">
@@ -16969,7 +16897,7 @@
               <a:t>的版本下载对应的 </a:t>
             </a:r>
             <a:r>
-              <a:rPr lang="en-US" altLang="zh-CN" sz="2000">
+              <a:rPr lang="en-US" altLang="zh-CN" sz="2000" smtClean="0">
                 <a:solidFill>
                   <a:srgbClr val="FF0000"/>
                 </a:solidFill>
@@ -16977,16 +16905,86 @@
                 <a:ea typeface="微软雅黑" pitchFamily="34" charset="-122"/>
                 <a:cs typeface="Times New Roman" panose="02020603050405020304" pitchFamily="18" charset="0"/>
               </a:rPr>
-              <a:t>chromeDriver</a:t>
-            </a:r>
-            <a:r>
-              <a:rPr lang="zh-CN" altLang="en-US" sz="2000">
+              <a:t>chromeDrive</a:t>
+            </a:r>
+            <a:r>
+              <a:rPr lang="zh-CN" altLang="en-US" sz="2000" smtClean="0">
+                <a:solidFill>
+                  <a:srgbClr val="FF0000"/>
+                </a:solidFill>
                 <a:latin typeface="Times New Roman" panose="02020603050405020304" pitchFamily="18" charset="0"/>
                 <a:ea typeface="微软雅黑" pitchFamily="34" charset="-122"/>
                 <a:cs typeface="Times New Roman" panose="02020603050405020304" pitchFamily="18" charset="0"/>
               </a:rPr>
-              <a:t>。</a:t>
-            </a:r>
+              <a:t>，详见：</a:t>
+            </a:r>
+            <a:endParaRPr lang="zh-CN" altLang="en-US" sz="2000">
+              <a:latin typeface="Times New Roman" panose="02020603050405020304" pitchFamily="18" charset="0"/>
+              <a:ea typeface="微软雅黑" pitchFamily="34" charset="-122"/>
+              <a:cs typeface="Times New Roman" panose="02020603050405020304" pitchFamily="18" charset="0"/>
+            </a:endParaRPr>
+          </a:p>
+        </p:txBody>
+      </p:sp>
+      <p:sp>
+        <p:nvSpPr>
+          <p:cNvPr id="2" name="矩形 1"/>
+          <p:cNvSpPr/>
+          <p:nvPr/>
+        </p:nvSpPr>
+        <p:spPr>
+          <a:xfrm>
+            <a:off x="599977" y="5799525"/>
+            <a:ext cx="5864169" cy="369332"/>
+          </a:xfrm>
+          <a:prstGeom prst="rect">
+            <a:avLst/>
+          </a:prstGeom>
+        </p:spPr>
+        <p:txBody>
+          <a:bodyPr wrap="none">
+            <a:spAutoFit/>
+          </a:bodyPr>
+          <a:lstStyle/>
+          <a:p>
+            <a:r>
+              <a:rPr lang="zh-CN" altLang="en-US">
+                <a:hlinkClick r:id="rId2"/>
+              </a:rPr>
+              <a:t>https://blog.csdn.net/huilan_same/article/details/51896672</a:t>
+            </a:r>
+            <a:endParaRPr lang="zh-CN" altLang="en-US"/>
+          </a:p>
+        </p:txBody>
+      </p:sp>
+      <p:sp>
+        <p:nvSpPr>
+          <p:cNvPr id="3" name="矩形 2"/>
+          <p:cNvSpPr/>
+          <p:nvPr/>
+        </p:nvSpPr>
+        <p:spPr>
+          <a:xfrm>
+            <a:off x="599977" y="6240760"/>
+            <a:ext cx="4639603" cy="369332"/>
+          </a:xfrm>
+          <a:prstGeom prst="rect">
+            <a:avLst/>
+          </a:prstGeom>
+        </p:spPr>
+        <p:txBody>
+          <a:bodyPr wrap="none">
+            <a:spAutoFit/>
+          </a:bodyPr>
+          <a:lstStyle/>
+          <a:p>
+            <a:r>
+              <a:rPr lang="zh-CN" altLang="en-US">
+                <a:hlinkClick r:id="rId3"/>
+              </a:rPr>
+              <a:t>https://npm.taobao.org/mirrors/chromedriver/</a:t>
+            </a:r>
+            <a:endParaRPr lang="zh-CN" altLang="en-US"/>
           </a:p>
         </p:txBody>
       </p:sp>
@@ -19421,8 +19419,71 @@
                 <a:effectLst/>
                 <a:latin typeface="Courier New" panose="02070309020205020404" pitchFamily="49" charset="0"/>
               </a:rPr>
+              <a:t> driver</a:t>
+            </a:r>
+            <a:r>
+              <a:rPr lang="en-US" altLang="zh-CN" sz="1600" b="1" smtClean="0">
+                <a:solidFill>
+                  <a:srgbClr val="000080"/>
+                </a:solidFill>
+                <a:effectLst/>
+                <a:latin typeface="Courier New" panose="02070309020205020404" pitchFamily="49" charset="0"/>
+              </a:rPr>
+              <a:t>.</a:t>
+            </a:r>
+            <a:r>
+              <a:rPr lang="en-US" altLang="zh-CN" sz="1600" smtClean="0">
+                <a:solidFill>
+                  <a:srgbClr val="000000"/>
+                </a:solidFill>
+                <a:effectLst/>
+                <a:latin typeface="Courier New" panose="02070309020205020404" pitchFamily="49" charset="0"/>
+              </a:rPr>
+              <a:t>find_element_by_name</a:t>
+            </a:r>
+            <a:r>
+              <a:rPr lang="en-US" altLang="zh-CN" sz="1600" b="1" smtClean="0">
+                <a:solidFill>
+                  <a:srgbClr val="000080"/>
+                </a:solidFill>
+                <a:effectLst/>
+                <a:latin typeface="Courier New" panose="02070309020205020404" pitchFamily="49" charset="0"/>
+              </a:rPr>
+              <a:t>(</a:t>
+            </a:r>
+            <a:r>
+              <a:rPr lang="en-US" altLang="zh-CN" sz="1600" smtClean="0">
+                <a:solidFill>
+                  <a:srgbClr val="808080"/>
+                </a:solidFill>
+                <a:effectLst/>
+                <a:latin typeface="Courier New" panose="02070309020205020404" pitchFamily="49" charset="0"/>
+              </a:rPr>
+              <a:t>username</a:t>
+            </a:r>
+            <a:r>
+              <a:rPr lang="en-US" altLang="zh-CN" sz="1600" b="1" smtClean="0">
+                <a:solidFill>
+                  <a:srgbClr val="000080"/>
+                </a:solidFill>
+                <a:effectLst/>
+                <a:latin typeface="Courier New" panose="02070309020205020404" pitchFamily="49" charset="0"/>
+              </a:rPr>
+              <a:t>)</a:t>
+            </a:r>
+            <a:r>
+              <a:rPr lang="en-US" altLang="zh-CN" sz="1600" smtClean="0">
+                <a:solidFill>
+                  <a:srgbClr val="000000"/>
+                </a:solidFill>
+                <a:effectLst/>
+                <a:latin typeface="Courier New" panose="02070309020205020404" pitchFamily="49" charset="0"/>
+              </a:rPr>
               <a:t> </a:t>
             </a:r>
+          </a:p>
+          <a:p>
+            <a:pPr lvl="2"/>
             <a:r>
               <a:rPr lang="en-US" altLang="zh-CN" sz="1600" smtClean="0">
                 <a:solidFill>
@@ -19431,7 +19492,7 @@
                 <a:effectLst/>
                 <a:latin typeface="Courier New" panose="02070309020205020404" pitchFamily="49" charset="0"/>
               </a:rPr>
-              <a:t>driver</a:t>
+              <a:t>elem_user</a:t>
             </a:r>
             <a:r>
               <a:rPr lang="en-US" altLang="zh-CN" sz="1600" b="1" smtClean="0">
@@ -19451,7 +19512,7 @@
                 <a:effectLst/>
                 <a:latin typeface="Courier New" panose="02070309020205020404" pitchFamily="49" charset="0"/>
               </a:rPr>
-              <a:t>find_element_by_name</a:t>
+              <a:t>send_keys</a:t>
             </a:r>
             <a:r>
               <a:rPr lang="en-US" altLang="zh-CN" sz="1600" b="1" smtClean="0">
@@ -19466,7 +19527,7 @@
             <a:r>
               <a:rPr lang="en-US" altLang="zh-CN" sz="1600" smtClean="0">
                 <a:solidFill>
-                  <a:srgbClr val="808080"/>
+                  <a:srgbClr val="000000"/>
                 </a:solidFill>
                 <a:effectLst/>
                 <a:latin typeface="Courier New" panose="02070309020205020404" pitchFamily="49" charset="0"/>
@@ -19485,6 +19546,36 @@
             </a:r>
             <a:r>
               <a:rPr lang="en-US" altLang="zh-CN" sz="1600" smtClean="0">
+                <a:solidFill>
+                  <a:srgbClr val="000000"/>
+                </a:solidFill>
+                <a:effectLst/>
+                <a:latin typeface="Courier New" panose="02070309020205020404" pitchFamily="49" charset="0"/>
+              </a:rPr>
+              <a:t> </a:t>
+            </a:r>
+            <a:r>
+              <a:rPr lang="en-US" altLang="zh-CN" sz="1600" smtClean="0">
+                <a:solidFill>
+                  <a:srgbClr val="008000"/>
+                </a:solidFill>
+                <a:effectLst/>
+                <a:latin typeface="Courier New" panose="02070309020205020404" pitchFamily="49" charset="0"/>
+              </a:rPr>
+              <a:t># </a:t>
+            </a:r>
+            <a:r>
+              <a:rPr lang="zh-CN" altLang="en-US" sz="1600" smtClean="0">
+                <a:solidFill>
+                  <a:srgbClr val="008000"/>
+                </a:solidFill>
+                <a:effectLst/>
+                <a:latin typeface="Courier New" panose="02070309020205020404" pitchFamily="49" charset="0"/>
+              </a:rPr>
+              <a:t>用户名</a:t>
+            </a:r>
+            <a:r>
+              <a:rPr lang="zh-CN" altLang="en-US" sz="1600" smtClean="0">
                 <a:solidFill>
                   <a:srgbClr val="000000"/>
                 </a:solidFill>
@@ -19511,7 +19602,7 @@
                 <a:effectLst/>
                 <a:latin typeface="Courier New" panose="02070309020205020404" pitchFamily="49" charset="0"/>
               </a:rPr>
-              <a:t>elem_user</a:t>
+              <a:t>elem_pwd </a:t>
             </a:r>
             <a:r>
               <a:rPr lang="en-US" altLang="zh-CN" sz="1600" b="1" smtClean="0">
@@ -19521,6 +19612,26 @@
                 <a:effectLst/>
                 <a:latin typeface="Courier New" panose="02070309020205020404" pitchFamily="49" charset="0"/>
               </a:rPr>
+              <a:t>=</a:t>
+            </a:r>
+            <a:r>
+              <a:rPr lang="en-US" altLang="zh-CN" sz="1600" smtClean="0">
+                <a:solidFill>
+                  <a:srgbClr val="000000"/>
+                </a:solidFill>
+                <a:effectLst/>
+                <a:latin typeface="Courier New" panose="02070309020205020404" pitchFamily="49" charset="0"/>
+              </a:rPr>
+              <a:t> driver</a:t>
+            </a:r>
+            <a:r>
+              <a:rPr lang="en-US" altLang="zh-CN" sz="1600" b="1" smtClean="0">
+                <a:solidFill>
+                  <a:srgbClr val="000080"/>
+                </a:solidFill>
+                <a:effectLst/>
+                <a:latin typeface="Courier New" panose="02070309020205020404" pitchFamily="49" charset="0"/>
+              </a:rPr>
               <a:t>.</a:t>
             </a:r>
             <a:r>
@@ -19531,7 +19642,7 @@
                 <a:effectLst/>
                 <a:latin typeface="Courier New" panose="02070309020205020404" pitchFamily="49" charset="0"/>
               </a:rPr>
-              <a:t>send_keys</a:t>
+              <a:t>find_element_by_name</a:t>
             </a:r>
             <a:r>
               <a:rPr lang="en-US" altLang="zh-CN" sz="1600" b="1" smtClean="0">
@@ -19546,12 +19657,12 @@
             <a:r>
               <a:rPr lang="en-US" altLang="zh-CN" sz="1600" smtClean="0">
                 <a:solidFill>
-                  <a:srgbClr val="000000"/>
-                </a:solidFill>
-                <a:effectLst/>
-                <a:latin typeface="Courier New" panose="02070309020205020404" pitchFamily="49" charset="0"/>
-              </a:rPr>
-              <a:t>username</a:t>
+                  <a:srgbClr val="808080"/>
+                </a:solidFill>
+                <a:effectLst/>
+                <a:latin typeface="Courier New" panose="02070309020205020404" pitchFamily="49" charset="0"/>
+              </a:rPr>
+              <a:t>password</a:t>
             </a:r>
             <a:r>
               <a:rPr lang="en-US" altLang="zh-CN" sz="1600" b="1" smtClean="0">
@@ -19573,153 +19684,6 @@
               </a:rPr>
               <a:t> </a:t>
             </a:r>
-            <a:r>
-              <a:rPr lang="en-US" altLang="zh-CN" sz="1600" smtClean="0">
-                <a:solidFill>
-                  <a:srgbClr val="008000"/>
-                </a:solidFill>
-                <a:effectLst/>
-                <a:latin typeface="Courier New" panose="02070309020205020404" pitchFamily="49" charset="0"/>
-              </a:rPr>
-              <a:t># </a:t>
-            </a:r>
-            <a:r>
-              <a:rPr lang="zh-CN" altLang="en-US" sz="1600" smtClean="0">
-                <a:solidFill>
-                  <a:srgbClr val="008000"/>
-                </a:solidFill>
-                <a:effectLst/>
-                <a:latin typeface="Courier New" panose="02070309020205020404" pitchFamily="49" charset="0"/>
-              </a:rPr>
-              <a:t>用户名</a:t>
-            </a:r>
-            <a:r>
-              <a:rPr lang="zh-CN" altLang="en-US" sz="1600" smtClean="0">
-                <a:solidFill>
-                  <a:srgbClr val="000000"/>
-                </a:solidFill>
-                <a:effectLst/>
-                <a:latin typeface="Courier New" panose="02070309020205020404" pitchFamily="49" charset="0"/>
-              </a:rPr>
-              <a:t> </a:t>
-            </a:r>
-            <a:endParaRPr lang="en-US" altLang="zh-CN" sz="1600" smtClean="0">
-              <a:solidFill>
-                <a:srgbClr val="000000"/>
-              </a:solidFill>
-              <a:effectLst/>
-              <a:latin typeface="Courier New" panose="02070309020205020404" pitchFamily="49" charset="0"/>
-            </a:endParaRPr>
-          </a:p>
-          <a:p>
-            <a:pPr lvl="2"/>
-            <a:r>
-              <a:rPr lang="en-US" altLang="zh-CN" sz="1600" smtClean="0">
-                <a:solidFill>
-                  <a:srgbClr val="000000"/>
-                </a:solidFill>
-                <a:effectLst/>
-                <a:latin typeface="Courier New" panose="02070309020205020404" pitchFamily="49" charset="0"/>
-              </a:rPr>
-              <a:t>elem_pwd </a:t>
-            </a:r>
-            <a:r>
-              <a:rPr lang="en-US" altLang="zh-CN" sz="1600" b="1" smtClean="0">
-                <a:solidFill>
-                  <a:srgbClr val="000080"/>
-                </a:solidFill>
-                <a:effectLst/>
-                <a:latin typeface="Courier New" panose="02070309020205020404" pitchFamily="49" charset="0"/>
-              </a:rPr>
-              <a:t>=</a:t>
-            </a:r>
-            <a:r>
-              <a:rPr lang="en-US" altLang="zh-CN" sz="1600" smtClean="0">
-                <a:solidFill>
-                  <a:srgbClr val="000000"/>
-                </a:solidFill>
-                <a:effectLst/>
-                <a:latin typeface="Courier New" panose="02070309020205020404" pitchFamily="49" charset="0"/>
-              </a:rPr>
-              <a:t> </a:t>
-            </a:r>
-            <a:r>
-              <a:rPr lang="en-US" altLang="zh-CN" sz="1600" smtClean="0">
-                <a:solidFill>
-                  <a:srgbClr val="000000"/>
-                </a:solidFill>
-                <a:effectLst/>
-                <a:latin typeface="Courier New" panose="02070309020205020404" pitchFamily="49" charset="0"/>
-              </a:rPr>
-              <a:t>driver</a:t>
-            </a:r>
-            <a:r>
-              <a:rPr lang="en-US" altLang="zh-CN" sz="1600" b="1" smtClean="0">
-                <a:solidFill>
-                  <a:srgbClr val="000080"/>
-                </a:solidFill>
-                <a:effectLst/>
-                <a:latin typeface="Courier New" panose="02070309020205020404" pitchFamily="49" charset="0"/>
-              </a:rPr>
-              <a:t>.</a:t>
-            </a:r>
-            <a:r>
-              <a:rPr lang="en-US" altLang="zh-CN" sz="1600" smtClean="0">
-                <a:solidFill>
-                  <a:srgbClr val="000000"/>
-                </a:solidFill>
-                <a:effectLst/>
-                <a:latin typeface="Courier New" panose="02070309020205020404" pitchFamily="49" charset="0"/>
-              </a:rPr>
-              <a:t>find_element_by_name</a:t>
-            </a:r>
-            <a:r>
-              <a:rPr lang="en-US" altLang="zh-CN" sz="1600" b="1" smtClean="0">
-                <a:solidFill>
-                  <a:srgbClr val="000080"/>
-                </a:solidFill>
-                <a:effectLst/>
-                <a:latin typeface="Courier New" panose="02070309020205020404" pitchFamily="49" charset="0"/>
-              </a:rPr>
-              <a:t>(</a:t>
-            </a:r>
-            <a:r>
-              <a:rPr lang="en-US" altLang="zh-CN" sz="1600" smtClean="0">
-                <a:solidFill>
-                  <a:srgbClr val="808080"/>
-                </a:solidFill>
-                <a:effectLst/>
-                <a:latin typeface="Courier New" panose="02070309020205020404" pitchFamily="49" charset="0"/>
-              </a:rPr>
-              <a:t>password</a:t>
-            </a:r>
-            <a:r>
-              <a:rPr lang="en-US" altLang="zh-CN" sz="1600" b="1" smtClean="0">
-                <a:solidFill>
-                  <a:srgbClr val="000080"/>
-                </a:solidFill>
-                <a:effectLst/>
-                <a:latin typeface="Courier New" panose="02070309020205020404" pitchFamily="49" charset="0"/>
-              </a:rPr>
-              <a:t>)</a:t>
-            </a:r>
-            <a:r>
-              <a:rPr lang="en-US" altLang="zh-CN" sz="1600" smtClean="0">
-                <a:solidFill>
-                  <a:srgbClr val="000000"/>
-                </a:solidFill>
-                <a:effectLst/>
-                <a:latin typeface="Courier New" panose="02070309020205020404" pitchFamily="49" charset="0"/>
-              </a:rPr>
-              <a:t> </a:t>
-            </a:r>
-            <a:endParaRPr lang="en-US" altLang="zh-CN" sz="1600" smtClean="0">
-              <a:solidFill>
-                <a:srgbClr val="000000"/>
-              </a:solidFill>
-              <a:effectLst/>
-              <a:latin typeface="Courier New" panose="02070309020205020404" pitchFamily="49" charset="0"/>
-            </a:endParaRPr>
           </a:p>
           <a:p>
             <a:pPr lvl="2"/>
@@ -20750,15 +20714,7 @@
                 <a:ea typeface="微软雅黑" pitchFamily="34" charset="-122"/>
                 <a:cs typeface="Times New Roman" panose="02020603050405020304" pitchFamily="18" charset="0"/>
               </a:rPr>
-              <a:t>第二步：进入微博搜索界面，检索</a:t>
-            </a:r>
-            <a:r>
-              <a:rPr lang="zh-CN" altLang="en-US" sz="2000" smtClean="0">
-                <a:latin typeface="Times New Roman" panose="02020603050405020304" pitchFamily="18" charset="0"/>
-                <a:ea typeface="微软雅黑" pitchFamily="34" charset="-122"/>
-                <a:cs typeface="Times New Roman" panose="02020603050405020304" pitchFamily="18" charset="0"/>
-              </a:rPr>
-              <a:t>关键词</a:t>
+              <a:t>第二步：进入微博搜索界面，检索关键词</a:t>
             </a:r>
             <a:endParaRPr lang="zh-CN" altLang="en-US" sz="2000">
               <a:latin typeface="Times New Roman" panose="02020603050405020304" pitchFamily="18" charset="0"/>
@@ -20879,16 +20835,7 @@
                 </a:solidFill>
                 <a:latin typeface="Courier New" panose="02070309020205020404" pitchFamily="49" charset="0"/>
               </a:rPr>
-              <a:t>http://s.weibo.com</a:t>
-            </a:r>
-            <a:r>
-              <a:rPr lang="en-US" altLang="zh-CN" u="sng">
-                <a:solidFill>
-                  <a:srgbClr val="808080"/>
-                </a:solidFill>
-                <a:latin typeface="Courier New" panose="02070309020205020404" pitchFamily="49" charset="0"/>
-              </a:rPr>
-              <a:t>/</a:t>
+              <a:t>http://s.weibo.com/</a:t>
             </a:r>
             <a:r>
               <a:rPr lang="en-US" altLang="zh-CN">
@@ -21012,16 +20959,7 @@
                 </a:solidFill>
                 <a:latin typeface="Courier New" panose="02070309020205020404" pitchFamily="49" charset="0"/>
               </a:rPr>
-              <a:t>输入关键词并点击</a:t>
-            </a:r>
-            <a:r>
-              <a:rPr lang="zh-CN" altLang="en-US">
-                <a:solidFill>
-                  <a:srgbClr val="008000"/>
-                </a:solidFill>
-                <a:latin typeface="Courier New" panose="02070309020205020404" pitchFamily="49" charset="0"/>
-              </a:rPr>
-              <a:t>搜索</a:t>
+              <a:t>输入关键词并点击搜索</a:t>
             </a:r>
             <a:r>
               <a:rPr lang="zh-CN" altLang="en-US">
@@ -21101,16 +21039,7 @@
                 </a:solidFill>
                 <a:latin typeface="Courier New" panose="02070309020205020404" pitchFamily="49" charset="0"/>
               </a:rPr>
-              <a:t>"//input[@type='text</a:t>
-            </a:r>
-            <a:r>
-              <a:rPr lang="en-US" altLang="zh-CN">
-                <a:solidFill>
-                  <a:srgbClr val="808080"/>
-                </a:solidFill>
-                <a:latin typeface="Courier New" panose="02070309020205020404" pitchFamily="49" charset="0"/>
-              </a:rPr>
-              <a:t>']"</a:t>
+              <a:t>"//input[@type='text']"</a:t>
             </a:r>
             <a:r>
               <a:rPr lang="en-US" altLang="zh-CN" b="1">
@@ -21306,16 +21235,7 @@
                 </a:solidFill>
                 <a:latin typeface="Courier New" panose="02070309020205020404" pitchFamily="49" charset="0"/>
               </a:rPr>
-              <a:t>采用点击回车直接</a:t>
-            </a:r>
-            <a:r>
-              <a:rPr lang="zh-CN" altLang="en-US">
-                <a:solidFill>
-                  <a:srgbClr val="008000"/>
-                </a:solidFill>
-                <a:latin typeface="Courier New" panose="02070309020205020404" pitchFamily="49" charset="0"/>
-              </a:rPr>
-              <a:t>搜索</a:t>
+              <a:t>采用点击回车直接搜索</a:t>
             </a:r>
             <a:r>
               <a:rPr lang="zh-CN" altLang="en-US">
@@ -21501,16 +21421,7 @@
                 </a:solidFill>
                 <a:latin typeface="Courier New" panose="02070309020205020404" pitchFamily="49" charset="0"/>
               </a:rPr>
-              <a:t> </a:t>
-            </a:r>
-            <a:r>
-              <a:rPr lang="en-US" altLang="zh-CN">
-                <a:solidFill>
-                  <a:srgbClr val="000000"/>
-                </a:solidFill>
-                <a:latin typeface="Courier New" panose="02070309020205020404" pitchFamily="49" charset="0"/>
-              </a:rPr>
-              <a:t>driver</a:t>
+              <a:t> driver</a:t>
             </a:r>
             <a:r>
               <a:rPr lang="en-US" altLang="zh-CN" b="1">
@@ -21928,11 +21839,7 @@
           <a:p>
             <a:r>
               <a:rPr lang="en-US" altLang="zh-CN"/>
-              <a:t>https://s.weibo.com/weibo?q</a:t>
-            </a:r>
-            <a:r>
-              <a:rPr lang="en-US" altLang="zh-CN"/>
-              <a:t>=</a:t>
+              <a:t>https://s.weibo.com/weibo?q=</a:t>
             </a:r>
             <a:r>
               <a:rPr lang="en-US" altLang="zh-CN">
@@ -22359,16 +22266,7 @@
                 </a:solidFill>
                 <a:latin typeface="Courier New" panose="02070309020205020404" pitchFamily="49" charset="0"/>
               </a:rPr>
-              <a:t>'custom:37:2</a:t>
-            </a:r>
-            <a:r>
-              <a:rPr lang="en-US" altLang="zh-CN" sz="1600">
-                <a:solidFill>
-                  <a:srgbClr val="808080"/>
-                </a:solidFill>
-                <a:latin typeface="Courier New" panose="02070309020205020404" pitchFamily="49" charset="0"/>
-              </a:rPr>
-              <a:t>'</a:t>
+              <a:t>'custom:37:2'</a:t>
             </a:r>
             <a:r>
               <a:rPr lang="en-US" altLang="zh-CN" sz="1600">
@@ -22412,16 +22310,7 @@
                 </a:solidFill>
                 <a:latin typeface="Courier New" panose="02070309020205020404" pitchFamily="49" charset="0"/>
               </a:rPr>
-              <a:t> </a:t>
-            </a:r>
-            <a:r>
-              <a:rPr lang="en-US" altLang="zh-CN" sz="1600">
-                <a:solidFill>
-                  <a:srgbClr val="000000"/>
-                </a:solidFill>
-                <a:latin typeface="Courier New" panose="02070309020205020404" pitchFamily="49" charset="0"/>
-              </a:rPr>
-              <a:t>current_url </a:t>
+              <a:t> current_url </a:t>
             </a:r>
             <a:r>
               <a:rPr lang="en-US" altLang="zh-CN" sz="1600" b="1" smtClean="0">
@@ -22744,16 +22633,7 @@
                 </a:solidFill>
                 <a:latin typeface="Courier New" panose="02070309020205020404" pitchFamily="49" charset="0"/>
               </a:rPr>
-              <a:t>'&amp;Refer=g</a:t>
-            </a:r>
-            <a:r>
-              <a:rPr lang="en-US" altLang="zh-CN" sz="1600">
-                <a:solidFill>
-                  <a:srgbClr val="808080"/>
-                </a:solidFill>
-                <a:latin typeface="Courier New" panose="02070309020205020404" pitchFamily="49" charset="0"/>
-              </a:rPr>
-              <a:t>'</a:t>
+              <a:t>'&amp;Refer=g'</a:t>
             </a:r>
             <a:r>
               <a:rPr lang="en-US" altLang="zh-CN" sz="1600">
@@ -23139,16 +23019,7 @@
                 </a:solidFill>
                 <a:latin typeface="Courier New" panose="02070309020205020404" pitchFamily="49" charset="0"/>
               </a:rPr>
-              <a:t>判断页面加载完成后是否有</a:t>
-            </a:r>
-            <a:r>
-              <a:rPr lang="zh-CN" altLang="en-US" sz="1600">
-                <a:solidFill>
-                  <a:srgbClr val="008000"/>
-                </a:solidFill>
-                <a:latin typeface="Courier New" panose="02070309020205020404" pitchFamily="49" charset="0"/>
-              </a:rPr>
-              <a:t>内容</a:t>
+              <a:t>判断页面加载完成后是否有内容</a:t>
             </a:r>
             <a:r>
               <a:rPr lang="zh-CN" altLang="en-US" sz="1600">
@@ -23264,16 +23135,7 @@
                 </a:solidFill>
                 <a:latin typeface="Courier New" panose="02070309020205020404" pitchFamily="49" charset="0"/>
               </a:rPr>
-              <a:t>但没有内容的前提是</a:t>
-            </a:r>
-            <a:r>
-              <a:rPr lang="zh-CN" altLang="en-US" sz="1600">
-                <a:solidFill>
-                  <a:srgbClr val="008000"/>
-                </a:solidFill>
-                <a:latin typeface="Courier New" panose="02070309020205020404" pitchFamily="49" charset="0"/>
-              </a:rPr>
-              <a:t>有</a:t>
+              <a:t>但没有内容的前提是有</a:t>
             </a:r>
             <a:r>
               <a:rPr lang="zh-CN" altLang="en-US" sz="1600" smtClean="0">
@@ -23659,14 +23521,6 @@
               </a:rPr>
               <a:t>注：根据网站内容灵活调整</a:t>
             </a:r>
-            <a:endParaRPr lang="zh-CN" altLang="en-US" sz="1600">
-              <a:solidFill>
-                <a:schemeClr val="tx1"/>
-              </a:solidFill>
-              <a:latin typeface="Times New Roman" panose="02020603050405020304" pitchFamily="18" charset="0"/>
-              <a:ea typeface="微软雅黑" pitchFamily="34" charset="-122"/>
-              <a:cs typeface="Times New Roman" panose="02020603050405020304" pitchFamily="18" charset="0"/>
-            </a:endParaRPr>
           </a:p>
         </p:txBody>
       </p:sp>
@@ -23953,16 +23807,7 @@
                 </a:solidFill>
                 <a:latin typeface="Courier New" panose="02070309020205020404" pitchFamily="49" charset="0"/>
               </a:rPr>
-              <a:t>判断是否有下一页</a:t>
-            </a:r>
-            <a:r>
-              <a:rPr lang="zh-CN" altLang="en-US" sz="1600">
-                <a:solidFill>
-                  <a:srgbClr val="008000"/>
-                </a:solidFill>
-                <a:latin typeface="Courier New" panose="02070309020205020404" pitchFamily="49" charset="0"/>
-              </a:rPr>
-              <a:t>按钮</a:t>
+              <a:t>判断是否有下一页按钮</a:t>
             </a:r>
             <a:r>
               <a:rPr lang="zh-CN" altLang="en-US" sz="1600">
@@ -24114,16 +23959,7 @@
                 </a:solidFill>
                 <a:latin typeface="Courier New" panose="02070309020205020404" pitchFamily="49" charset="0"/>
               </a:rPr>
-              <a:t>"#pl_feedlist_index &gt; div.m-page &gt; div &gt; a.next</a:t>
-            </a:r>
-            <a:r>
-              <a:rPr lang="en-US" altLang="zh-CN" sz="1600">
-                <a:solidFill>
-                  <a:srgbClr val="808080"/>
-                </a:solidFill>
-                <a:latin typeface="Courier New" panose="02070309020205020404" pitchFamily="49" charset="0"/>
-              </a:rPr>
-              <a:t>"</a:t>
+              <a:t>"#pl_feedlist_index &gt; div.m-page &gt; div &gt; a.next"</a:t>
             </a:r>
             <a:r>
               <a:rPr lang="en-US" altLang="zh-CN" sz="1600" b="1">
@@ -24636,16 +24472,7 @@
                 </a:solidFill>
                 <a:latin typeface="Courier New" panose="02070309020205020404" pitchFamily="49" charset="0"/>
               </a:rPr>
-              <a:t>获取本页数据（列表</a:t>
-            </a:r>
-            <a:r>
-              <a:rPr lang="zh-CN" altLang="en-US" sz="1200">
-                <a:solidFill>
-                  <a:srgbClr val="008000"/>
-                </a:solidFill>
-                <a:latin typeface="Courier New" panose="02070309020205020404" pitchFamily="49" charset="0"/>
-              </a:rPr>
-              <a:t>） </a:t>
+              <a:t>获取本页数据（列表） </a:t>
             </a:r>
             <a:endParaRPr lang="en-US" altLang="zh-CN" sz="1200" smtClean="0">
               <a:solidFill>
@@ -24716,16 +24543,7 @@
                 </a:solidFill>
                 <a:latin typeface="Courier New" panose="02070309020205020404" pitchFamily="49" charset="0"/>
               </a:rPr>
-              <a:t>"//div[@class='card-wrap']/div[@class='card</a:t>
-            </a:r>
-            <a:r>
-              <a:rPr lang="en-US" altLang="zh-CN" sz="1200">
-                <a:solidFill>
-                  <a:srgbClr val="808080"/>
-                </a:solidFill>
-                <a:latin typeface="Courier New" panose="02070309020205020404" pitchFamily="49" charset="0"/>
-              </a:rPr>
-              <a:t>']"</a:t>
+              <a:t>"//div[@class='card-wrap']/div[@class='card']"</a:t>
             </a:r>
             <a:r>
               <a:rPr lang="en-US" altLang="zh-CN" sz="1200" b="1">
@@ -24808,16 +24626,7 @@
                 </a:solidFill>
                 <a:latin typeface="Courier New" panose="02070309020205020404" pitchFamily="49" charset="0"/>
               </a:rPr>
-              <a:t>博主</a:t>
-            </a:r>
-            <a:r>
-              <a:rPr lang="zh-CN" altLang="en-US" sz="1200">
-                <a:solidFill>
-                  <a:srgbClr val="008000"/>
-                </a:solidFill>
-                <a:latin typeface="Courier New" panose="02070309020205020404" pitchFamily="49" charset="0"/>
-              </a:rPr>
-              <a:t>昵称</a:t>
+              <a:t>博主昵称</a:t>
             </a:r>
             <a:r>
               <a:rPr lang="zh-CN" altLang="en-US" sz="1200">
@@ -24951,16 +24760,7 @@
                 </a:solidFill>
                 <a:latin typeface="Courier New" panose="02070309020205020404" pitchFamily="49" charset="0"/>
               </a:rPr>
-              <a:t>"nick-name</a:t>
-            </a:r>
-            <a:r>
-              <a:rPr lang="en-US" altLang="zh-CN" sz="1200">
-                <a:solidFill>
-                  <a:srgbClr val="808080"/>
-                </a:solidFill>
-                <a:latin typeface="Courier New" panose="02070309020205020404" pitchFamily="49" charset="0"/>
-              </a:rPr>
-              <a:t>"</a:t>
+              <a:t>"nick-name"</a:t>
             </a:r>
             <a:r>
               <a:rPr lang="en-US" altLang="zh-CN" sz="1200" b="1">
@@ -25004,16 +24804,7 @@
                 </a:solidFill>
                 <a:latin typeface="Courier New" panose="02070309020205020404" pitchFamily="49" charset="0"/>
               </a:rPr>
-              <a:t>博主</a:t>
-            </a:r>
-            <a:r>
-              <a:rPr lang="zh-CN" altLang="en-US" sz="1200">
-                <a:solidFill>
-                  <a:srgbClr val="008000"/>
-                </a:solidFill>
-                <a:latin typeface="Courier New" panose="02070309020205020404" pitchFamily="49" charset="0"/>
-              </a:rPr>
-              <a:t>主页</a:t>
+              <a:t>博主主页</a:t>
             </a:r>
             <a:r>
               <a:rPr lang="zh-CN" altLang="en-US" sz="1200">
@@ -25156,16 +24947,7 @@
                 </a:solidFill>
                 <a:latin typeface="Courier New" panose="02070309020205020404" pitchFamily="49" charset="0"/>
               </a:rPr>
-              <a:t>"href</a:t>
-            </a:r>
-            <a:r>
-              <a:rPr lang="en-US" altLang="zh-CN" sz="1200">
-                <a:solidFill>
-                  <a:srgbClr val="808080"/>
-                </a:solidFill>
-                <a:latin typeface="Courier New" panose="02070309020205020404" pitchFamily="49" charset="0"/>
-              </a:rPr>
-              <a:t>"</a:t>
+              <a:t>"href"</a:t>
             </a:r>
             <a:r>
               <a:rPr lang="en-US" altLang="zh-CN" sz="1200" b="1">
@@ -25209,16 +24991,7 @@
                 </a:solidFill>
                 <a:latin typeface="Courier New" panose="02070309020205020404" pitchFamily="49" charset="0"/>
               </a:rPr>
-              <a:t>判断展开全文和网页链接是否</a:t>
-            </a:r>
-            <a:r>
-              <a:rPr lang="zh-CN" altLang="en-US" sz="1200">
-                <a:solidFill>
-                  <a:srgbClr val="008000"/>
-                </a:solidFill>
-                <a:latin typeface="Courier New" panose="02070309020205020404" pitchFamily="49" charset="0"/>
-              </a:rPr>
-              <a:t>存在</a:t>
+              <a:t>判断展开全文和网页链接是否存在</a:t>
             </a:r>
             <a:r>
               <a:rPr lang="zh-CN" altLang="en-US" sz="1200">
@@ -25539,16 +25312,7 @@
                 </a:solidFill>
                 <a:latin typeface="Courier New" panose="02070309020205020404" pitchFamily="49" charset="0"/>
               </a:rPr>
-              <a:t>微博</a:t>
-            </a:r>
-            <a:r>
-              <a:rPr lang="zh-CN" altLang="en-US" sz="1200">
-                <a:solidFill>
-                  <a:srgbClr val="008000"/>
-                </a:solidFill>
-                <a:latin typeface="Courier New" panose="02070309020205020404" pitchFamily="49" charset="0"/>
-              </a:rPr>
-              <a:t>内容</a:t>
+              <a:t>微博内容</a:t>
             </a:r>
             <a:r>
               <a:rPr lang="zh-CN" altLang="en-US" sz="1200">
